--- a/Algorithm/Baekjun/C++/C++Algorithm/SegmentTree/10868/segTree.pptx
+++ b/Algorithm/Baekjun/C++/C++Algorithm/SegmentTree/10868/segTree.pptx
@@ -5124,7 +5124,7 @@
         <p:spPr>
           <a:xfrm>
             <a:off x="6320688" y="1708085"/>
-            <a:ext cx="2121093" cy="276999"/>
+            <a:ext cx="2291012" cy="276999"/>
           </a:xfrm>
           <a:prstGeom prst="rect">
             <a:avLst/>
@@ -5143,7 +5143,7 @@
             </a:r>
             <a:r>
               <a:rPr lang="en-US" altLang="ko-KR" sz="1200" dirty="0" smtClean="0"/>
-              <a:t>[4] = min(</a:t>
+              <a:t>[6] = min(</a:t>
             </a:r>
             <a:r>
               <a:rPr lang="en-US" altLang="ko-KR" sz="1200" dirty="0" err="1" smtClean="0"/>
@@ -5151,7 +5151,7 @@
             </a:r>
             <a:r>
               <a:rPr lang="en-US" altLang="ko-KR" sz="1200" dirty="0" smtClean="0"/>
-              <a:t>[8], </a:t>
+              <a:t>[12], </a:t>
             </a:r>
             <a:r>
               <a:rPr lang="en-US" altLang="ko-KR" sz="1200" dirty="0" err="1" smtClean="0"/>
@@ -5159,7 +5159,7 @@
             </a:r>
             <a:r>
               <a:rPr lang="en-US" altLang="ko-KR" sz="1200" dirty="0" smtClean="0"/>
-              <a:t>[9])</a:t>
+              <a:t>[13])</a:t>
             </a:r>
             <a:endParaRPr lang="ko-KR" altLang="en-US" sz="1200"/>
           </a:p>
@@ -5193,7 +5193,7 @@
             </a:r>
             <a:r>
               <a:rPr lang="en-US" altLang="ko-KR" sz="1200" dirty="0" smtClean="0"/>
-              <a:t>[5] = min(</a:t>
+              <a:t>[7] = min(</a:t>
             </a:r>
             <a:r>
               <a:rPr lang="en-US" altLang="ko-KR" sz="1200" dirty="0" err="1" smtClean="0"/>
@@ -5201,7 +5201,7 @@
             </a:r>
             <a:r>
               <a:rPr lang="en-US" altLang="ko-KR" sz="1200" dirty="0" smtClean="0"/>
-              <a:t>[10], </a:t>
+              <a:t>[14], </a:t>
             </a:r>
             <a:r>
               <a:rPr lang="en-US" altLang="ko-KR" sz="1200" dirty="0" err="1" smtClean="0"/>
@@ -5209,7 +5209,7 @@
             </a:r>
             <a:r>
               <a:rPr lang="en-US" altLang="ko-KR" sz="1200" dirty="0" smtClean="0"/>
-              <a:t>[11])</a:t>
+              <a:t>[15])</a:t>
             </a:r>
             <a:endParaRPr lang="ko-KR" altLang="en-US" sz="1200"/>
           </a:p>
@@ -5243,7 +5243,7 @@
             </a:r>
             <a:r>
               <a:rPr lang="en-US" altLang="ko-KR" sz="1200" dirty="0" smtClean="0"/>
-              <a:t>[2] = min(</a:t>
+              <a:t>[3] = min(</a:t>
             </a:r>
             <a:r>
               <a:rPr lang="en-US" altLang="ko-KR" sz="1200" dirty="0" err="1" smtClean="0"/>
@@ -5251,7 +5251,7 @@
             </a:r>
             <a:r>
               <a:rPr lang="en-US" altLang="ko-KR" sz="1200" dirty="0" smtClean="0"/>
-              <a:t>[4], </a:t>
+              <a:t>[6], </a:t>
             </a:r>
             <a:r>
               <a:rPr lang="en-US" altLang="ko-KR" sz="1200" dirty="0" err="1" smtClean="0"/>
@@ -5259,7 +5259,7 @@
             </a:r>
             <a:r>
               <a:rPr lang="en-US" altLang="ko-KR" sz="1200" dirty="0" smtClean="0"/>
-              <a:t>[5])</a:t>
+              <a:t>[7])</a:t>
             </a:r>
             <a:endParaRPr lang="ko-KR" altLang="en-US" sz="1200"/>
           </a:p>
@@ -5871,6 +5871,56 @@
               <a:t>[6]</a:t>
             </a:r>
             <a:endParaRPr lang="ko-KR" altLang="en-US" sz="1000"/>
+          </a:p>
+        </p:txBody>
+      </p:sp>
+      <p:sp>
+        <p:nvSpPr>
+          <p:cNvPr id="84" name="TextBox 83"/>
+          <p:cNvSpPr txBox="1"/>
+          <p:nvPr/>
+        </p:nvSpPr>
+        <p:spPr>
+          <a:xfrm>
+            <a:off x="3677416" y="497723"/>
+            <a:ext cx="2121093" cy="276999"/>
+          </a:xfrm>
+          <a:prstGeom prst="rect">
+            <a:avLst/>
+          </a:prstGeom>
+          <a:noFill/>
+        </p:spPr>
+        <p:txBody>
+          <a:bodyPr wrap="none" rtlCol="0">
+            <a:spAutoFit/>
+          </a:bodyPr>
+          <a:lstStyle/>
+          <a:p>
+            <a:r>
+              <a:rPr lang="en-US" altLang="ko-KR" sz="1200" dirty="0" err="1" smtClean="0"/>
+              <a:t>Seg</a:t>
+            </a:r>
+            <a:r>
+              <a:rPr lang="en-US" altLang="ko-KR" sz="1200" dirty="0" smtClean="0"/>
+              <a:t>[1] = min(</a:t>
+            </a:r>
+            <a:r>
+              <a:rPr lang="en-US" altLang="ko-KR" sz="1200" dirty="0" err="1" smtClean="0"/>
+              <a:t>seg</a:t>
+            </a:r>
+            <a:r>
+              <a:rPr lang="en-US" altLang="ko-KR" sz="1200" dirty="0" smtClean="0"/>
+              <a:t>[2], </a:t>
+            </a:r>
+            <a:r>
+              <a:rPr lang="en-US" altLang="ko-KR" sz="1200" dirty="0" err="1" smtClean="0"/>
+              <a:t>seg</a:t>
+            </a:r>
+            <a:r>
+              <a:rPr lang="en-US" altLang="ko-KR" sz="1200" dirty="0" smtClean="0"/>
+              <a:t>[3])</a:t>
+            </a:r>
+            <a:endParaRPr lang="ko-KR" altLang="en-US" sz="1200"/>
           </a:p>
         </p:txBody>
       </p:sp>

--- a/Algorithm/Baekjun/C++/C++Algorithm/SegmentTree/10868/segTree.pptx
+++ b/Algorithm/Baekjun/C++/C++Algorithm/SegmentTree/10868/segTree.pptx
@@ -104,6 +104,11 @@
       </a:defRPr>
     </a:lvl9pPr>
   </p:defaultTextStyle>
+  <p:extLst>
+    <p:ext uri="{EFAFB233-063F-42B5-8137-9DF3F51BA10A}">
+      <p15:sldGuideLst xmlns:p15="http://schemas.microsoft.com/office/powerpoint/2012/main"/>
+    </p:ext>
+  </p:extLst>
 </p:presentation>
 </file>
 
@@ -3271,7 +3276,23 @@
                     <a:schemeClr val="tx1"/>
                   </a:solidFill>
                 </a:rPr>
-                <a:t>[ 3 , 4 , 9 ]</a:t>
+                <a:t>[ 3 , </a:t>
+              </a:r>
+              <a:r>
+                <a:rPr lang="en-US" altLang="ko-KR" dirty="0" smtClean="0">
+                  <a:solidFill>
+                    <a:schemeClr val="tx1"/>
+                  </a:solidFill>
+                </a:rPr>
+                <a:t>5 </a:t>
+              </a:r>
+              <a:r>
+                <a:rPr lang="en-US" altLang="ko-KR" dirty="0" smtClean="0">
+                  <a:solidFill>
+                    <a:schemeClr val="tx1"/>
+                  </a:solidFill>
+                </a:rPr>
+                <a:t>, 9 ]</a:t>
               </a:r>
               <a:endParaRPr lang="ko-KR" altLang="en-US">
                 <a:solidFill>
@@ -3506,326 +3527,6 @@
       </p:grpSp>
       <p:grpSp>
         <p:nvGrpSpPr>
-          <p:cNvPr id="22" name="그룹 21"/>
-          <p:cNvGrpSpPr/>
-          <p:nvPr/>
-        </p:nvGrpSpPr>
-        <p:grpSpPr>
-          <a:xfrm>
-            <a:off x="1326357" y="2033521"/>
-            <a:ext cx="1877671" cy="1520459"/>
-            <a:chOff x="950686" y="410205"/>
-            <a:chExt cx="10348685" cy="5954309"/>
-          </a:xfrm>
-        </p:grpSpPr>
-        <p:sp>
-          <p:nvSpPr>
-            <p:cNvPr id="23" name="직사각형 22"/>
-            <p:cNvSpPr/>
-            <p:nvPr/>
-          </p:nvSpPr>
-          <p:spPr>
-            <a:xfrm>
-              <a:off x="950686" y="631371"/>
-              <a:ext cx="10348685" cy="5733143"/>
-            </a:xfrm>
-            <a:prstGeom prst="rect">
-              <a:avLst/>
-            </a:prstGeom>
-            <a:noFill/>
-          </p:spPr>
-          <p:style>
-            <a:lnRef idx="2">
-              <a:schemeClr val="accent1">
-                <a:shade val="50000"/>
-              </a:schemeClr>
-            </a:lnRef>
-            <a:fillRef idx="1">
-              <a:schemeClr val="accent1"/>
-            </a:fillRef>
-            <a:effectRef idx="0">
-              <a:schemeClr val="accent1"/>
-            </a:effectRef>
-            <a:fontRef idx="minor">
-              <a:schemeClr val="lt1"/>
-            </a:fontRef>
-          </p:style>
-          <p:txBody>
-            <a:bodyPr rtlCol="0" anchor="ctr"/>
-            <a:lstStyle/>
-            <a:p>
-              <a:pPr algn="ctr"/>
-              <a:endParaRPr lang="ko-KR" altLang="en-US"/>
-            </a:p>
-          </p:txBody>
-        </p:sp>
-        <p:sp>
-          <p:nvSpPr>
-            <p:cNvPr id="24" name="직사각형 23"/>
-            <p:cNvSpPr/>
-            <p:nvPr/>
-          </p:nvSpPr>
-          <p:spPr>
-            <a:xfrm>
-              <a:off x="1429818" y="410205"/>
-              <a:ext cx="7649696" cy="782599"/>
-            </a:xfrm>
-            <a:prstGeom prst="rect">
-              <a:avLst/>
-            </a:prstGeom>
-            <a:solidFill>
-              <a:schemeClr val="bg1"/>
-            </a:solidFill>
-          </p:spPr>
-          <p:style>
-            <a:lnRef idx="2">
-              <a:schemeClr val="accent1">
-                <a:shade val="50000"/>
-              </a:schemeClr>
-            </a:lnRef>
-            <a:fillRef idx="1">
-              <a:schemeClr val="accent1"/>
-            </a:fillRef>
-            <a:effectRef idx="0">
-              <a:schemeClr val="accent1"/>
-            </a:effectRef>
-            <a:fontRef idx="minor">
-              <a:schemeClr val="lt1"/>
-            </a:fontRef>
-          </p:style>
-          <p:txBody>
-            <a:bodyPr rtlCol="0" anchor="ctr"/>
-            <a:lstStyle/>
-            <a:p>
-              <a:pPr algn="ctr"/>
-              <a:r>
-                <a:rPr lang="en-US" altLang="ko-KR" dirty="0" smtClean="0">
-                  <a:solidFill>
-                    <a:schemeClr val="tx1"/>
-                  </a:solidFill>
-                </a:rPr>
-                <a:t>[ 8 , 0 , 0 ]</a:t>
-              </a:r>
-              <a:endParaRPr lang="ko-KR" altLang="en-US">
-                <a:solidFill>
-                  <a:schemeClr val="tx1"/>
-                </a:solidFill>
-              </a:endParaRPr>
-            </a:p>
-          </p:txBody>
-        </p:sp>
-      </p:grpSp>
-      <p:grpSp>
-        <p:nvGrpSpPr>
-          <p:cNvPr id="26" name="그룹 25"/>
-          <p:cNvGrpSpPr/>
-          <p:nvPr/>
-        </p:nvGrpSpPr>
-        <p:grpSpPr>
-          <a:xfrm>
-            <a:off x="1326357" y="3734197"/>
-            <a:ext cx="1877671" cy="1612116"/>
-            <a:chOff x="950686" y="410205"/>
-            <a:chExt cx="10348685" cy="5954309"/>
-          </a:xfrm>
-        </p:grpSpPr>
-        <p:sp>
-          <p:nvSpPr>
-            <p:cNvPr id="27" name="직사각형 26"/>
-            <p:cNvSpPr/>
-            <p:nvPr/>
-          </p:nvSpPr>
-          <p:spPr>
-            <a:xfrm>
-              <a:off x="950686" y="631371"/>
-              <a:ext cx="10348685" cy="5733143"/>
-            </a:xfrm>
-            <a:prstGeom prst="rect">
-              <a:avLst/>
-            </a:prstGeom>
-            <a:noFill/>
-          </p:spPr>
-          <p:style>
-            <a:lnRef idx="2">
-              <a:schemeClr val="accent1">
-                <a:shade val="50000"/>
-              </a:schemeClr>
-            </a:lnRef>
-            <a:fillRef idx="1">
-              <a:schemeClr val="accent1"/>
-            </a:fillRef>
-            <a:effectRef idx="0">
-              <a:schemeClr val="accent1"/>
-            </a:effectRef>
-            <a:fontRef idx="minor">
-              <a:schemeClr val="lt1"/>
-            </a:fontRef>
-          </p:style>
-          <p:txBody>
-            <a:bodyPr rtlCol="0" anchor="ctr"/>
-            <a:lstStyle/>
-            <a:p>
-              <a:pPr algn="ctr"/>
-              <a:endParaRPr lang="ko-KR" altLang="en-US"/>
-            </a:p>
-          </p:txBody>
-        </p:sp>
-        <p:sp>
-          <p:nvSpPr>
-            <p:cNvPr id="28" name="직사각형 27"/>
-            <p:cNvSpPr/>
-            <p:nvPr/>
-          </p:nvSpPr>
-          <p:spPr>
-            <a:xfrm>
-              <a:off x="1429818" y="410205"/>
-              <a:ext cx="7649696" cy="782599"/>
-            </a:xfrm>
-            <a:prstGeom prst="rect">
-              <a:avLst/>
-            </a:prstGeom>
-            <a:solidFill>
-              <a:schemeClr val="bg1"/>
-            </a:solidFill>
-          </p:spPr>
-          <p:style>
-            <a:lnRef idx="2">
-              <a:schemeClr val="accent1">
-                <a:shade val="50000"/>
-              </a:schemeClr>
-            </a:lnRef>
-            <a:fillRef idx="1">
-              <a:schemeClr val="accent1"/>
-            </a:fillRef>
-            <a:effectRef idx="0">
-              <a:schemeClr val="accent1"/>
-            </a:effectRef>
-            <a:fontRef idx="minor">
-              <a:schemeClr val="lt1"/>
-            </a:fontRef>
-          </p:style>
-          <p:txBody>
-            <a:bodyPr rtlCol="0" anchor="ctr"/>
-            <a:lstStyle/>
-            <a:p>
-              <a:pPr algn="ctr"/>
-              <a:r>
-                <a:rPr lang="en-US" altLang="ko-KR" dirty="0" smtClean="0">
-                  <a:solidFill>
-                    <a:schemeClr val="tx1"/>
-                  </a:solidFill>
-                </a:rPr>
-                <a:t>[ 9 , 2 , 2 ]</a:t>
-              </a:r>
-              <a:endParaRPr lang="ko-KR" altLang="en-US">
-                <a:solidFill>
-                  <a:schemeClr val="tx1"/>
-                </a:solidFill>
-              </a:endParaRPr>
-            </a:p>
-          </p:txBody>
-        </p:sp>
-      </p:grpSp>
-      <p:sp>
-        <p:nvSpPr>
-          <p:cNvPr id="29" name="TextBox 28"/>
-          <p:cNvSpPr txBox="1"/>
-          <p:nvPr/>
-        </p:nvSpPr>
-        <p:spPr>
-          <a:xfrm>
-            <a:off x="1482863" y="2465162"/>
-            <a:ext cx="1225015" cy="461665"/>
-          </a:xfrm>
-          <a:prstGeom prst="rect">
-            <a:avLst/>
-          </a:prstGeom>
-          <a:noFill/>
-        </p:spPr>
-        <p:txBody>
-          <a:bodyPr wrap="none" rtlCol="0">
-            <a:spAutoFit/>
-          </a:bodyPr>
-          <a:lstStyle/>
-          <a:p>
-            <a:r>
-              <a:rPr lang="en-US" altLang="ko-KR" sz="1200" dirty="0" smtClean="0"/>
-              <a:t>&lt;Left&gt;</a:t>
-            </a:r>
-            <a:br>
-              <a:rPr lang="en-US" altLang="ko-KR" sz="1200" dirty="0" smtClean="0"/>
-            </a:br>
-            <a:r>
-              <a:rPr lang="en-US" altLang="ko-KR" sz="1200" dirty="0" err="1" smtClean="0"/>
-              <a:t>Seg</a:t>
-            </a:r>
-            <a:r>
-              <a:rPr lang="en-US" altLang="ko-KR" sz="1200" dirty="0" smtClean="0"/>
-              <a:t>[8] = </a:t>
-            </a:r>
-            <a:r>
-              <a:rPr lang="en-US" altLang="ko-KR" sz="1200" dirty="0" err="1" smtClean="0"/>
-              <a:t>Arr</a:t>
-            </a:r>
-            <a:r>
-              <a:rPr lang="en-US" altLang="ko-KR" sz="1200" dirty="0" smtClean="0"/>
-              <a:t>[0]</a:t>
-            </a:r>
-            <a:endParaRPr lang="ko-KR" altLang="en-US" sz="1200"/>
-          </a:p>
-        </p:txBody>
-      </p:sp>
-      <p:sp>
-        <p:nvSpPr>
-          <p:cNvPr id="30" name="TextBox 29"/>
-          <p:cNvSpPr txBox="1"/>
-          <p:nvPr/>
-        </p:nvSpPr>
-        <p:spPr>
-          <a:xfrm>
-            <a:off x="1436335" y="4175329"/>
-            <a:ext cx="1225015" cy="461665"/>
-          </a:xfrm>
-          <a:prstGeom prst="rect">
-            <a:avLst/>
-          </a:prstGeom>
-          <a:noFill/>
-        </p:spPr>
-        <p:txBody>
-          <a:bodyPr wrap="none" rtlCol="0">
-            <a:spAutoFit/>
-          </a:bodyPr>
-          <a:lstStyle/>
-          <a:p>
-            <a:r>
-              <a:rPr lang="en-US" altLang="ko-KR" sz="1200" dirty="0" smtClean="0"/>
-              <a:t>&lt;Right&gt;</a:t>
-            </a:r>
-            <a:br>
-              <a:rPr lang="en-US" altLang="ko-KR" sz="1200" dirty="0" smtClean="0"/>
-            </a:br>
-            <a:r>
-              <a:rPr lang="en-US" altLang="ko-KR" sz="1200" dirty="0" err="1" smtClean="0"/>
-              <a:t>Seg</a:t>
-            </a:r>
-            <a:r>
-              <a:rPr lang="en-US" altLang="ko-KR" sz="1200" dirty="0" smtClean="0"/>
-              <a:t>[9] = </a:t>
-            </a:r>
-            <a:r>
-              <a:rPr lang="en-US" altLang="ko-KR" sz="1200" dirty="0" err="1" smtClean="0"/>
-              <a:t>Arr</a:t>
-            </a:r>
-            <a:r>
-              <a:rPr lang="en-US" altLang="ko-KR" sz="1200" dirty="0" smtClean="0"/>
-              <a:t>[2]</a:t>
-            </a:r>
-            <a:endParaRPr lang="ko-KR" altLang="en-US" sz="1200"/>
-          </a:p>
-        </p:txBody>
-      </p:sp>
-      <p:grpSp>
-        <p:nvGrpSpPr>
           <p:cNvPr id="34" name="그룹 33"/>
           <p:cNvGrpSpPr/>
           <p:nvPr/>
@@ -3833,7 +3534,7 @@
         <p:grpSpPr>
           <a:xfrm>
             <a:off x="3677416" y="2048035"/>
-            <a:ext cx="1877671" cy="1520459"/>
+            <a:ext cx="1877671" cy="1773439"/>
             <a:chOff x="950686" y="410205"/>
             <a:chExt cx="10348685" cy="5954309"/>
           </a:xfrm>
@@ -3943,8 +3644,8 @@
         </p:nvGrpSpPr>
         <p:grpSpPr>
           <a:xfrm>
-            <a:off x="3677416" y="3734197"/>
-            <a:ext cx="1877671" cy="1612116"/>
+            <a:off x="3677416" y="3967796"/>
+            <a:ext cx="1877671" cy="1726658"/>
             <a:chOff x="950686" y="410205"/>
             <a:chExt cx="10348685" cy="5954309"/>
           </a:xfrm>
@@ -4394,7 +4095,39 @@
                     <a:schemeClr val="tx1"/>
                   </a:solidFill>
                 </a:rPr>
-                <a:t>[ 6 , 4 , 6 ]</a:t>
+                <a:t>[ 6 , </a:t>
+              </a:r>
+              <a:r>
+                <a:rPr lang="en-US" altLang="ko-KR" dirty="0" smtClean="0">
+                  <a:solidFill>
+                    <a:schemeClr val="tx1"/>
+                  </a:solidFill>
+                </a:rPr>
+                <a:t>5 </a:t>
+              </a:r>
+              <a:r>
+                <a:rPr lang="en-US" altLang="ko-KR" dirty="0" smtClean="0">
+                  <a:solidFill>
+                    <a:schemeClr val="tx1"/>
+                  </a:solidFill>
+                </a:rPr>
+                <a:t>, </a:t>
+              </a:r>
+              <a:r>
+                <a:rPr lang="en-US" altLang="ko-KR" dirty="0" smtClean="0">
+                  <a:solidFill>
+                    <a:schemeClr val="tx1"/>
+                  </a:solidFill>
+                </a:rPr>
+                <a:t>7 </a:t>
+              </a:r>
+              <a:r>
+                <a:rPr lang="en-US" altLang="ko-KR" dirty="0" smtClean="0">
+                  <a:solidFill>
+                    <a:schemeClr val="tx1"/>
+                  </a:solidFill>
+                </a:rPr>
+                <a:t>]</a:t>
               </a:r>
               <a:endParaRPr lang="ko-KR" altLang="en-US">
                 <a:solidFill>
@@ -4505,118 +4238,39 @@
                     <a:schemeClr val="tx1"/>
                   </a:solidFill>
                 </a:rPr>
-                <a:t>[ 7 , 3 , 4 ]</a:t>
+                <a:t>[ 7 , </a:t>
               </a:r>
-              <a:endParaRPr lang="ko-KR" altLang="en-US">
-                <a:solidFill>
-                  <a:schemeClr val="tx1"/>
-                </a:solidFill>
-              </a:endParaRPr>
-            </a:p>
-          </p:txBody>
-        </p:sp>
-      </p:grpSp>
-      <p:grpSp>
-        <p:nvGrpSpPr>
-          <p:cNvPr id="51" name="그룹 50"/>
-          <p:cNvGrpSpPr/>
-          <p:nvPr/>
-        </p:nvGrpSpPr>
-        <p:grpSpPr>
-          <a:xfrm>
-            <a:off x="6358929" y="2062505"/>
-            <a:ext cx="1877671" cy="1788724"/>
-            <a:chOff x="950686" y="410205"/>
-            <a:chExt cx="10348685" cy="5954309"/>
-          </a:xfrm>
-        </p:grpSpPr>
-        <p:sp>
-          <p:nvSpPr>
-            <p:cNvPr id="52" name="직사각형 51"/>
-            <p:cNvSpPr/>
-            <p:nvPr/>
-          </p:nvSpPr>
-          <p:spPr>
-            <a:xfrm>
-              <a:off x="950686" y="631371"/>
-              <a:ext cx="10348685" cy="5733143"/>
-            </a:xfrm>
-            <a:prstGeom prst="rect">
-              <a:avLst/>
-            </a:prstGeom>
-            <a:noFill/>
-          </p:spPr>
-          <p:style>
-            <a:lnRef idx="2">
-              <a:schemeClr val="accent1">
-                <a:shade val="50000"/>
-              </a:schemeClr>
-            </a:lnRef>
-            <a:fillRef idx="1">
-              <a:schemeClr val="accent1"/>
-            </a:fillRef>
-            <a:effectRef idx="0">
-              <a:schemeClr val="accent1"/>
-            </a:effectRef>
-            <a:fontRef idx="minor">
-              <a:schemeClr val="lt1"/>
-            </a:fontRef>
-          </p:style>
-          <p:txBody>
-            <a:bodyPr rtlCol="0" anchor="ctr"/>
-            <a:lstStyle/>
-            <a:p>
-              <a:pPr algn="ctr"/>
-              <a:endParaRPr lang="ko-KR" altLang="en-US"/>
-            </a:p>
-          </p:txBody>
-        </p:sp>
-        <p:sp>
-          <p:nvSpPr>
-            <p:cNvPr id="53" name="직사각형 52"/>
-            <p:cNvSpPr/>
-            <p:nvPr/>
-          </p:nvSpPr>
-          <p:spPr>
-            <a:xfrm>
-              <a:off x="1429818" y="410205"/>
-              <a:ext cx="7649696" cy="782599"/>
-            </a:xfrm>
-            <a:prstGeom prst="rect">
-              <a:avLst/>
-            </a:prstGeom>
-            <a:solidFill>
-              <a:schemeClr val="bg1"/>
-            </a:solidFill>
-          </p:spPr>
-          <p:style>
-            <a:lnRef idx="2">
-              <a:schemeClr val="accent1">
-                <a:shade val="50000"/>
-              </a:schemeClr>
-            </a:lnRef>
-            <a:fillRef idx="1">
-              <a:schemeClr val="accent1"/>
-            </a:fillRef>
-            <a:effectRef idx="0">
-              <a:schemeClr val="accent1"/>
-            </a:effectRef>
-            <a:fontRef idx="minor">
-              <a:schemeClr val="lt1"/>
-            </a:fontRef>
-          </p:style>
-          <p:txBody>
-            <a:bodyPr rtlCol="0" anchor="ctr"/>
-            <a:lstStyle/>
-            <a:p>
-              <a:pPr algn="ctr"/>
               <a:r>
                 <a:rPr lang="en-US" altLang="ko-KR" dirty="0" smtClean="0">
                   <a:solidFill>
                     <a:schemeClr val="tx1"/>
                   </a:solidFill>
                 </a:rPr>
-                <a:t>[ 12 , 4 , 5 ]</a:t>
+                <a:t>8 </a:t>
+              </a:r>
+              <a:r>
+                <a:rPr lang="en-US" altLang="ko-KR" dirty="0" smtClean="0">
+                  <a:solidFill>
+                    <a:schemeClr val="tx1"/>
+                  </a:solidFill>
+                </a:rPr>
+                <a:t>, </a:t>
+              </a:r>
+              <a:r>
+                <a:rPr lang="en-US" altLang="ko-KR" dirty="0" smtClean="0">
+                  <a:solidFill>
+                    <a:schemeClr val="tx1"/>
+                  </a:solidFill>
+                </a:rPr>
+                <a:t>9 </a:t>
+              </a:r>
+              <a:r>
+                <a:rPr lang="en-US" altLang="ko-KR" dirty="0" smtClean="0">
+                  <a:solidFill>
+                    <a:schemeClr val="tx1"/>
+                  </a:solidFill>
+                </a:rPr>
+                <a:t>]</a:t>
               </a:r>
               <a:endParaRPr lang="ko-KR" altLang="en-US">
                 <a:solidFill>
@@ -4635,8 +4289,8 @@
         </p:nvGrpSpPr>
         <p:grpSpPr>
           <a:xfrm>
-            <a:off x="6349007" y="3972821"/>
-            <a:ext cx="1877671" cy="1745807"/>
+            <a:off x="6349007" y="3948647"/>
+            <a:ext cx="1877671" cy="1769982"/>
             <a:chOff x="950686" y="410205"/>
             <a:chExt cx="10348685" cy="5954309"/>
           </a:xfrm>
@@ -4727,7 +4381,39 @@
                     <a:schemeClr val="tx1"/>
                   </a:solidFill>
                 </a:rPr>
-                <a:t>[ 13 , 5 , 6 ]</a:t>
+                <a:t>[ 13 , </a:t>
+              </a:r>
+              <a:r>
+                <a:rPr lang="en-US" altLang="ko-KR" dirty="0" smtClean="0">
+                  <a:solidFill>
+                    <a:schemeClr val="tx1"/>
+                  </a:solidFill>
+                </a:rPr>
+                <a:t>7 </a:t>
+              </a:r>
+              <a:r>
+                <a:rPr lang="en-US" altLang="ko-KR" dirty="0" smtClean="0">
+                  <a:solidFill>
+                    <a:schemeClr val="tx1"/>
+                  </a:solidFill>
+                </a:rPr>
+                <a:t>, </a:t>
+              </a:r>
+              <a:r>
+                <a:rPr lang="en-US" altLang="ko-KR" dirty="0" smtClean="0">
+                  <a:solidFill>
+                    <a:schemeClr val="tx1"/>
+                  </a:solidFill>
+                </a:rPr>
+                <a:t>7 </a:t>
+              </a:r>
+              <a:r>
+                <a:rPr lang="en-US" altLang="ko-KR" dirty="0" smtClean="0">
+                  <a:solidFill>
+                    <a:schemeClr val="tx1"/>
+                  </a:solidFill>
+                </a:rPr>
+                <a:t>]</a:t>
               </a:r>
               <a:endParaRPr lang="ko-KR" altLang="en-US">
                 <a:solidFill>
@@ -4738,63 +4424,6 @@
           </p:txBody>
         </p:sp>
       </p:grpSp>
-      <p:sp>
-        <p:nvSpPr>
-          <p:cNvPr id="57" name="TextBox 56"/>
-          <p:cNvSpPr txBox="1"/>
-          <p:nvPr/>
-        </p:nvSpPr>
-        <p:spPr>
-          <a:xfrm>
-            <a:off x="6440958" y="2298378"/>
-            <a:ext cx="1633252" cy="338554"/>
-          </a:xfrm>
-          <a:prstGeom prst="rect">
-            <a:avLst/>
-          </a:prstGeom>
-          <a:noFill/>
-        </p:spPr>
-        <p:txBody>
-          <a:bodyPr wrap="square" rtlCol="0">
-            <a:spAutoFit/>
-          </a:bodyPr>
-          <a:lstStyle/>
-          <a:p>
-            <a:r>
-              <a:rPr lang="en-US" altLang="ko-KR" sz="800" dirty="0" smtClean="0"/>
-              <a:t>&lt;Left&gt;</a:t>
-            </a:r>
-            <a:br>
-              <a:rPr lang="en-US" altLang="ko-KR" sz="800" dirty="0" smtClean="0"/>
-            </a:br>
-            <a:r>
-              <a:rPr lang="en-US" altLang="ko-KR" sz="800" dirty="0" err="1" smtClean="0"/>
-              <a:t>Seg</a:t>
-            </a:r>
-            <a:r>
-              <a:rPr lang="en-US" altLang="ko-KR" sz="800" dirty="0" smtClean="0"/>
-              <a:t>[12] = min(</a:t>
-            </a:r>
-            <a:r>
-              <a:rPr lang="en-US" altLang="ko-KR" sz="800" dirty="0" err="1" smtClean="0"/>
-              <a:t>seg</a:t>
-            </a:r>
-            <a:r>
-              <a:rPr lang="en-US" altLang="ko-KR" sz="800" dirty="0" smtClean="0"/>
-              <a:t>[24], </a:t>
-            </a:r>
-            <a:r>
-              <a:rPr lang="en-US" altLang="ko-KR" sz="800" dirty="0" err="1" smtClean="0"/>
-              <a:t>seg</a:t>
-            </a:r>
-            <a:r>
-              <a:rPr lang="en-US" altLang="ko-KR" sz="800" dirty="0" smtClean="0"/>
-              <a:t>[25])</a:t>
-            </a:r>
-            <a:endParaRPr lang="ko-KR" altLang="en-US" sz="800"/>
-          </a:p>
-        </p:txBody>
-      </p:sp>
       <p:grpSp>
         <p:nvGrpSpPr>
           <p:cNvPr id="59" name="그룹 58"/>
@@ -4895,7 +4524,39 @@
                     <a:schemeClr val="tx1"/>
                   </a:solidFill>
                 </a:rPr>
-                <a:t>[ 14 , 3 , 3 ]</a:t>
+                <a:t>[ 14 , </a:t>
+              </a:r>
+              <a:r>
+                <a:rPr lang="en-US" altLang="ko-KR" dirty="0" smtClean="0">
+                  <a:solidFill>
+                    <a:schemeClr val="tx1"/>
+                  </a:solidFill>
+                </a:rPr>
+                <a:t>8 </a:t>
+              </a:r>
+              <a:r>
+                <a:rPr lang="en-US" altLang="ko-KR" dirty="0" smtClean="0">
+                  <a:solidFill>
+                    <a:schemeClr val="tx1"/>
+                  </a:solidFill>
+                </a:rPr>
+                <a:t>, </a:t>
+              </a:r>
+              <a:r>
+                <a:rPr lang="en-US" altLang="ko-KR" dirty="0" smtClean="0">
+                  <a:solidFill>
+                    <a:schemeClr val="tx1"/>
+                  </a:solidFill>
+                </a:rPr>
+                <a:t>8 </a:t>
+              </a:r>
+              <a:r>
+                <a:rPr lang="en-US" altLang="ko-KR" dirty="0" smtClean="0">
+                  <a:solidFill>
+                    <a:schemeClr val="tx1"/>
+                  </a:solidFill>
+                </a:rPr>
+                <a:t>]</a:t>
               </a:r>
               <a:endParaRPr lang="ko-KR" altLang="en-US">
                 <a:solidFill>
@@ -5006,7 +4667,39 @@
                     <a:schemeClr val="tx1"/>
                   </a:solidFill>
                 </a:rPr>
-                <a:t>[ 15 , 4 , 4 ]</a:t>
+                <a:t>[ 15 , </a:t>
+              </a:r>
+              <a:r>
+                <a:rPr lang="en-US" altLang="ko-KR" dirty="0" smtClean="0">
+                  <a:solidFill>
+                    <a:schemeClr val="tx1"/>
+                  </a:solidFill>
+                </a:rPr>
+                <a:t>9 </a:t>
+              </a:r>
+              <a:r>
+                <a:rPr lang="en-US" altLang="ko-KR" dirty="0" smtClean="0">
+                  <a:solidFill>
+                    <a:schemeClr val="tx1"/>
+                  </a:solidFill>
+                </a:rPr>
+                <a:t>, </a:t>
+              </a:r>
+              <a:r>
+                <a:rPr lang="en-US" altLang="ko-KR" dirty="0" smtClean="0">
+                  <a:solidFill>
+                    <a:schemeClr val="tx1"/>
+                  </a:solidFill>
+                </a:rPr>
+                <a:t>9 </a:t>
+              </a:r>
+              <a:r>
+                <a:rPr lang="en-US" altLang="ko-KR" dirty="0" smtClean="0">
+                  <a:solidFill>
+                    <a:schemeClr val="tx1"/>
+                  </a:solidFill>
+                </a:rPr>
+                <a:t>]</a:t>
               </a:r>
               <a:endParaRPr lang="ko-KR" altLang="en-US">
                 <a:solidFill>
@@ -5060,7 +4753,7 @@
             </a:r>
             <a:r>
               <a:rPr lang="en-US" altLang="ko-KR" sz="1200" dirty="0" smtClean="0"/>
-              <a:t>[3]</a:t>
+              <a:t>[8]</a:t>
             </a:r>
             <a:endParaRPr lang="ko-KR" altLang="en-US" sz="1200"/>
           </a:p>
@@ -5101,7 +4794,11 @@
             </a:r>
             <a:r>
               <a:rPr lang="en-US" altLang="ko-KR" sz="1200" dirty="0" smtClean="0"/>
-              <a:t>[11] = </a:t>
+              <a:t>[15] </a:t>
+            </a:r>
+            <a:r>
+              <a:rPr lang="en-US" altLang="ko-KR" sz="1200" dirty="0" smtClean="0"/>
+              <a:t>= </a:t>
             </a:r>
             <a:r>
               <a:rPr lang="en-US" altLang="ko-KR" sz="1200" dirty="0" err="1" smtClean="0"/>
@@ -5109,7 +4806,7 @@
             </a:r>
             <a:r>
               <a:rPr lang="en-US" altLang="ko-KR" sz="1200" dirty="0" smtClean="0"/>
-              <a:t>[4]</a:t>
+              <a:t>[9]</a:t>
             </a:r>
             <a:endParaRPr lang="ko-KR" altLang="en-US" sz="1200"/>
           </a:p>
@@ -5143,7 +4840,11 @@
             </a:r>
             <a:r>
               <a:rPr lang="en-US" altLang="ko-KR" sz="1200" dirty="0" smtClean="0"/>
-              <a:t>[6] = min(</a:t>
+              <a:t>[6] = </a:t>
+            </a:r>
+            <a:r>
+              <a:rPr lang="en-US" altLang="ko-KR" sz="1200" dirty="0" smtClean="0"/>
+              <a:t>min(</a:t>
             </a:r>
             <a:r>
               <a:rPr lang="en-US" altLang="ko-KR" sz="1200" dirty="0" err="1" smtClean="0"/>
@@ -5267,13 +4968,446 @@
       </p:sp>
       <p:sp>
         <p:nvSpPr>
-          <p:cNvPr id="71" name="직사각형 70"/>
+          <p:cNvPr id="84" name="TextBox 83"/>
+          <p:cNvSpPr txBox="1"/>
+          <p:nvPr/>
+        </p:nvSpPr>
+        <p:spPr>
+          <a:xfrm>
+            <a:off x="3677416" y="497723"/>
+            <a:ext cx="2121093" cy="276999"/>
+          </a:xfrm>
+          <a:prstGeom prst="rect">
+            <a:avLst/>
+          </a:prstGeom>
+          <a:noFill/>
+        </p:spPr>
+        <p:txBody>
+          <a:bodyPr wrap="none" rtlCol="0">
+            <a:spAutoFit/>
+          </a:bodyPr>
+          <a:lstStyle/>
+          <a:p>
+            <a:r>
+              <a:rPr lang="en-US" altLang="ko-KR" sz="1200" dirty="0" err="1" smtClean="0"/>
+              <a:t>Seg</a:t>
+            </a:r>
+            <a:r>
+              <a:rPr lang="en-US" altLang="ko-KR" sz="1200" dirty="0" smtClean="0"/>
+              <a:t>[1] = min(</a:t>
+            </a:r>
+            <a:r>
+              <a:rPr lang="en-US" altLang="ko-KR" sz="1200" dirty="0" err="1" smtClean="0"/>
+              <a:t>seg</a:t>
+            </a:r>
+            <a:r>
+              <a:rPr lang="en-US" altLang="ko-KR" sz="1200" dirty="0" smtClean="0"/>
+              <a:t>[2], </a:t>
+            </a:r>
+            <a:r>
+              <a:rPr lang="en-US" altLang="ko-KR" sz="1200" dirty="0" err="1" smtClean="0"/>
+              <a:t>seg</a:t>
+            </a:r>
+            <a:r>
+              <a:rPr lang="en-US" altLang="ko-KR" sz="1200" dirty="0" smtClean="0"/>
+              <a:t>[3])</a:t>
+            </a:r>
+            <a:endParaRPr lang="ko-KR" altLang="en-US" sz="1200"/>
+          </a:p>
+        </p:txBody>
+      </p:sp>
+      <p:grpSp>
+        <p:nvGrpSpPr>
+          <p:cNvPr id="85" name="그룹 84"/>
+          <p:cNvGrpSpPr/>
+          <p:nvPr/>
+        </p:nvGrpSpPr>
+        <p:grpSpPr>
+          <a:xfrm>
+            <a:off x="1353988" y="2038331"/>
+            <a:ext cx="1877671" cy="1788724"/>
+            <a:chOff x="950686" y="410205"/>
+            <a:chExt cx="10348685" cy="5954309"/>
+          </a:xfrm>
+        </p:grpSpPr>
+        <p:sp>
+          <p:nvSpPr>
+            <p:cNvPr id="86" name="직사각형 85"/>
+            <p:cNvSpPr/>
+            <p:nvPr/>
+          </p:nvSpPr>
+          <p:spPr>
+            <a:xfrm>
+              <a:off x="950686" y="631371"/>
+              <a:ext cx="10348685" cy="5733143"/>
+            </a:xfrm>
+            <a:prstGeom prst="rect">
+              <a:avLst/>
+            </a:prstGeom>
+            <a:noFill/>
+          </p:spPr>
+          <p:style>
+            <a:lnRef idx="2">
+              <a:schemeClr val="accent1">
+                <a:shade val="50000"/>
+              </a:schemeClr>
+            </a:lnRef>
+            <a:fillRef idx="1">
+              <a:schemeClr val="accent1"/>
+            </a:fillRef>
+            <a:effectRef idx="0">
+              <a:schemeClr val="accent1"/>
+            </a:effectRef>
+            <a:fontRef idx="minor">
+              <a:schemeClr val="lt1"/>
+            </a:fontRef>
+          </p:style>
+          <p:txBody>
+            <a:bodyPr rtlCol="0" anchor="ctr"/>
+            <a:lstStyle/>
+            <a:p>
+              <a:pPr algn="ctr"/>
+              <a:endParaRPr lang="ko-KR" altLang="en-US"/>
+            </a:p>
+          </p:txBody>
+        </p:sp>
+        <p:sp>
+          <p:nvSpPr>
+            <p:cNvPr id="87" name="직사각형 86"/>
+            <p:cNvSpPr/>
+            <p:nvPr/>
+          </p:nvSpPr>
+          <p:spPr>
+            <a:xfrm>
+              <a:off x="1429818" y="410205"/>
+              <a:ext cx="7649696" cy="782599"/>
+            </a:xfrm>
+            <a:prstGeom prst="rect">
+              <a:avLst/>
+            </a:prstGeom>
+            <a:solidFill>
+              <a:schemeClr val="bg1"/>
+            </a:solidFill>
+          </p:spPr>
+          <p:style>
+            <a:lnRef idx="2">
+              <a:schemeClr val="accent1">
+                <a:shade val="50000"/>
+              </a:schemeClr>
+            </a:lnRef>
+            <a:fillRef idx="1">
+              <a:schemeClr val="accent1"/>
+            </a:fillRef>
+            <a:effectRef idx="0">
+              <a:schemeClr val="accent1"/>
+            </a:effectRef>
+            <a:fontRef idx="minor">
+              <a:schemeClr val="lt1"/>
+            </a:fontRef>
+          </p:style>
+          <p:txBody>
+            <a:bodyPr rtlCol="0" anchor="ctr"/>
+            <a:lstStyle/>
+            <a:p>
+              <a:pPr algn="ctr"/>
+              <a:r>
+                <a:rPr lang="en-US" altLang="ko-KR" dirty="0" smtClean="0">
+                  <a:solidFill>
+                    <a:schemeClr val="tx1"/>
+                  </a:solidFill>
+                </a:rPr>
+                <a:t>[ </a:t>
+              </a:r>
+              <a:r>
+                <a:rPr lang="en-US" altLang="ko-KR" dirty="0" smtClean="0">
+                  <a:solidFill>
+                    <a:schemeClr val="tx1"/>
+                  </a:solidFill>
+                </a:rPr>
+                <a:t>8 </a:t>
+              </a:r>
+              <a:r>
+                <a:rPr lang="en-US" altLang="ko-KR" dirty="0" smtClean="0">
+                  <a:solidFill>
+                    <a:schemeClr val="tx1"/>
+                  </a:solidFill>
+                </a:rPr>
+                <a:t>, </a:t>
+              </a:r>
+              <a:r>
+                <a:rPr lang="en-US" altLang="ko-KR" dirty="0" smtClean="0">
+                  <a:solidFill>
+                    <a:schemeClr val="tx1"/>
+                  </a:solidFill>
+                </a:rPr>
+                <a:t>0 </a:t>
+              </a:r>
+              <a:r>
+                <a:rPr lang="en-US" altLang="ko-KR" dirty="0" smtClean="0">
+                  <a:solidFill>
+                    <a:schemeClr val="tx1"/>
+                  </a:solidFill>
+                </a:rPr>
+                <a:t>, </a:t>
+              </a:r>
+              <a:r>
+                <a:rPr lang="en-US" altLang="ko-KR" dirty="0" smtClean="0">
+                  <a:solidFill>
+                    <a:schemeClr val="tx1"/>
+                  </a:solidFill>
+                </a:rPr>
+                <a:t>1 </a:t>
+              </a:r>
+              <a:r>
+                <a:rPr lang="en-US" altLang="ko-KR" dirty="0" smtClean="0">
+                  <a:solidFill>
+                    <a:schemeClr val="tx1"/>
+                  </a:solidFill>
+                </a:rPr>
+                <a:t>]</a:t>
+              </a:r>
+              <a:endParaRPr lang="ko-KR" altLang="en-US">
+                <a:solidFill>
+                  <a:schemeClr val="tx1"/>
+                </a:solidFill>
+              </a:endParaRPr>
+            </a:p>
+          </p:txBody>
+        </p:sp>
+      </p:grpSp>
+      <p:grpSp>
+        <p:nvGrpSpPr>
+          <p:cNvPr id="88" name="그룹 87"/>
+          <p:cNvGrpSpPr/>
+          <p:nvPr/>
+        </p:nvGrpSpPr>
+        <p:grpSpPr>
+          <a:xfrm>
+            <a:off x="1344066" y="3948647"/>
+            <a:ext cx="1877671" cy="1745807"/>
+            <a:chOff x="950686" y="410205"/>
+            <a:chExt cx="10348685" cy="5954309"/>
+          </a:xfrm>
+        </p:grpSpPr>
+        <p:sp>
+          <p:nvSpPr>
+            <p:cNvPr id="89" name="직사각형 88"/>
+            <p:cNvSpPr/>
+            <p:nvPr/>
+          </p:nvSpPr>
+          <p:spPr>
+            <a:xfrm>
+              <a:off x="950686" y="631371"/>
+              <a:ext cx="10348685" cy="5733143"/>
+            </a:xfrm>
+            <a:prstGeom prst="rect">
+              <a:avLst/>
+            </a:prstGeom>
+            <a:noFill/>
+          </p:spPr>
+          <p:style>
+            <a:lnRef idx="2">
+              <a:schemeClr val="accent1">
+                <a:shade val="50000"/>
+              </a:schemeClr>
+            </a:lnRef>
+            <a:fillRef idx="1">
+              <a:schemeClr val="accent1"/>
+            </a:fillRef>
+            <a:effectRef idx="0">
+              <a:schemeClr val="accent1"/>
+            </a:effectRef>
+            <a:fontRef idx="minor">
+              <a:schemeClr val="lt1"/>
+            </a:fontRef>
+          </p:style>
+          <p:txBody>
+            <a:bodyPr rtlCol="0" anchor="ctr"/>
+            <a:lstStyle/>
+            <a:p>
+              <a:pPr algn="ctr"/>
+              <a:endParaRPr lang="ko-KR" altLang="en-US"/>
+            </a:p>
+          </p:txBody>
+        </p:sp>
+        <p:sp>
+          <p:nvSpPr>
+            <p:cNvPr id="90" name="직사각형 89"/>
+            <p:cNvSpPr/>
+            <p:nvPr/>
+          </p:nvSpPr>
+          <p:spPr>
+            <a:xfrm>
+              <a:off x="1429818" y="410205"/>
+              <a:ext cx="7649696" cy="782599"/>
+            </a:xfrm>
+            <a:prstGeom prst="rect">
+              <a:avLst/>
+            </a:prstGeom>
+            <a:solidFill>
+              <a:schemeClr val="bg1"/>
+            </a:solidFill>
+          </p:spPr>
+          <p:style>
+            <a:lnRef idx="2">
+              <a:schemeClr val="accent1">
+                <a:shade val="50000"/>
+              </a:schemeClr>
+            </a:lnRef>
+            <a:fillRef idx="1">
+              <a:schemeClr val="accent1"/>
+            </a:fillRef>
+            <a:effectRef idx="0">
+              <a:schemeClr val="accent1"/>
+            </a:effectRef>
+            <a:fontRef idx="minor">
+              <a:schemeClr val="lt1"/>
+            </a:fontRef>
+          </p:style>
+          <p:txBody>
+            <a:bodyPr rtlCol="0" anchor="ctr"/>
+            <a:lstStyle/>
+            <a:p>
+              <a:pPr algn="ctr"/>
+              <a:r>
+                <a:rPr lang="en-US" altLang="ko-KR" dirty="0" smtClean="0">
+                  <a:solidFill>
+                    <a:schemeClr val="tx1"/>
+                  </a:solidFill>
+                </a:rPr>
+                <a:t>[ </a:t>
+              </a:r>
+              <a:r>
+                <a:rPr lang="en-US" altLang="ko-KR" dirty="0" smtClean="0">
+                  <a:solidFill>
+                    <a:schemeClr val="tx1"/>
+                  </a:solidFill>
+                </a:rPr>
+                <a:t>9 , </a:t>
+              </a:r>
+              <a:r>
+                <a:rPr lang="en-US" altLang="ko-KR" dirty="0">
+                  <a:solidFill>
+                    <a:schemeClr val="tx1"/>
+                  </a:solidFill>
+                </a:rPr>
+                <a:t>2</a:t>
+              </a:r>
+              <a:r>
+                <a:rPr lang="en-US" altLang="ko-KR" dirty="0" smtClean="0">
+                  <a:solidFill>
+                    <a:schemeClr val="tx1"/>
+                  </a:solidFill>
+                </a:rPr>
+                <a:t> </a:t>
+              </a:r>
+              <a:r>
+                <a:rPr lang="en-US" altLang="ko-KR" dirty="0" smtClean="0">
+                  <a:solidFill>
+                    <a:schemeClr val="tx1"/>
+                  </a:solidFill>
+                </a:rPr>
+                <a:t>, </a:t>
+              </a:r>
+              <a:r>
+                <a:rPr lang="en-US" altLang="ko-KR" dirty="0" smtClean="0">
+                  <a:solidFill>
+                    <a:schemeClr val="tx1"/>
+                  </a:solidFill>
+                </a:rPr>
+                <a:t>2 </a:t>
+              </a:r>
+              <a:r>
+                <a:rPr lang="en-US" altLang="ko-KR" dirty="0" smtClean="0">
+                  <a:solidFill>
+                    <a:schemeClr val="tx1"/>
+                  </a:solidFill>
+                </a:rPr>
+                <a:t>]</a:t>
+              </a:r>
+              <a:endParaRPr lang="ko-KR" altLang="en-US">
+                <a:solidFill>
+                  <a:schemeClr val="tx1"/>
+                </a:solidFill>
+              </a:endParaRPr>
+            </a:p>
+          </p:txBody>
+        </p:sp>
+      </p:grpSp>
+      <p:sp>
+        <p:nvSpPr>
+          <p:cNvPr id="91" name="TextBox 90"/>
+          <p:cNvSpPr txBox="1"/>
+          <p:nvPr/>
+        </p:nvSpPr>
+        <p:spPr>
+          <a:xfrm>
+            <a:off x="1436017" y="2274204"/>
+            <a:ext cx="1633252" cy="338554"/>
+          </a:xfrm>
+          <a:prstGeom prst="rect">
+            <a:avLst/>
+          </a:prstGeom>
+          <a:noFill/>
+        </p:spPr>
+        <p:txBody>
+          <a:bodyPr wrap="square" rtlCol="0">
+            <a:spAutoFit/>
+          </a:bodyPr>
+          <a:lstStyle/>
+          <a:p>
+            <a:r>
+              <a:rPr lang="en-US" altLang="ko-KR" sz="800" dirty="0" smtClean="0"/>
+              <a:t>&lt;Left&gt;</a:t>
+            </a:r>
+            <a:br>
+              <a:rPr lang="en-US" altLang="ko-KR" sz="800" dirty="0" smtClean="0"/>
+            </a:br>
+            <a:r>
+              <a:rPr lang="en-US" altLang="ko-KR" sz="800" dirty="0" err="1" smtClean="0"/>
+              <a:t>Seg</a:t>
+            </a:r>
+            <a:r>
+              <a:rPr lang="en-US" altLang="ko-KR" sz="800" dirty="0" smtClean="0"/>
+              <a:t>[8] </a:t>
+            </a:r>
+            <a:r>
+              <a:rPr lang="en-US" altLang="ko-KR" sz="800" dirty="0" smtClean="0"/>
+              <a:t>= </a:t>
+            </a:r>
+            <a:r>
+              <a:rPr lang="en-US" altLang="ko-KR" sz="800" dirty="0" smtClean="0"/>
+              <a:t>min(</a:t>
+            </a:r>
+            <a:r>
+              <a:rPr lang="en-US" altLang="ko-KR" sz="800" dirty="0" err="1" smtClean="0"/>
+              <a:t>seg</a:t>
+            </a:r>
+            <a:r>
+              <a:rPr lang="en-US" altLang="ko-KR" sz="800" dirty="0" smtClean="0"/>
+              <a:t>[16], </a:t>
+            </a:r>
+            <a:r>
+              <a:rPr lang="en-US" altLang="ko-KR" sz="800" dirty="0" err="1" smtClean="0"/>
+              <a:t>seg</a:t>
+            </a:r>
+            <a:r>
+              <a:rPr lang="en-US" altLang="ko-KR" sz="800" dirty="0" smtClean="0"/>
+              <a:t>[17])</a:t>
+            </a:r>
+            <a:endParaRPr lang="ko-KR" altLang="en-US" sz="800"/>
+          </a:p>
+        </p:txBody>
+      </p:sp>
+      <p:sp>
+        <p:nvSpPr>
+          <p:cNvPr id="92" name="직사각형 91"/>
           <p:cNvSpPr/>
           <p:nvPr/>
         </p:nvSpPr>
         <p:spPr>
           <a:xfrm>
-            <a:off x="6471216" y="2852038"/>
+            <a:off x="1466275" y="2827864"/>
             <a:ext cx="745551" cy="952734"/>
           </a:xfrm>
           <a:prstGeom prst="rect">
@@ -5308,13 +5442,13 @@
       </p:sp>
       <p:sp>
         <p:nvSpPr>
-          <p:cNvPr id="72" name="직사각형 71"/>
+          <p:cNvPr id="93" name="직사각형 92"/>
           <p:cNvSpPr/>
           <p:nvPr/>
         </p:nvSpPr>
         <p:spPr>
           <a:xfrm>
-            <a:off x="6538686" y="2760043"/>
+            <a:off x="1533745" y="2735869"/>
             <a:ext cx="605547" cy="314505"/>
           </a:xfrm>
           <a:prstGeom prst="rect">
@@ -5351,7 +5485,55 @@
                   <a:schemeClr val="tx1"/>
                 </a:solidFill>
               </a:rPr>
-              <a:t>[ 24 , 4 , 4 ]</a:t>
+              <a:t>[ </a:t>
+            </a:r>
+            <a:r>
+              <a:rPr lang="en-US" altLang="ko-KR" sz="600" b="1" dirty="0" smtClean="0">
+                <a:solidFill>
+                  <a:schemeClr val="tx1"/>
+                </a:solidFill>
+              </a:rPr>
+              <a:t>16 </a:t>
+            </a:r>
+            <a:r>
+              <a:rPr lang="en-US" altLang="ko-KR" sz="600" b="1" dirty="0" smtClean="0">
+                <a:solidFill>
+                  <a:schemeClr val="tx1"/>
+                </a:solidFill>
+              </a:rPr>
+              <a:t>, </a:t>
+            </a:r>
+            <a:r>
+              <a:rPr lang="en-US" altLang="ko-KR" sz="600" b="1" dirty="0" smtClean="0">
+                <a:solidFill>
+                  <a:schemeClr val="tx1"/>
+                </a:solidFill>
+              </a:rPr>
+              <a:t>0 </a:t>
+            </a:r>
+            <a:r>
+              <a:rPr lang="en-US" altLang="ko-KR" sz="600" b="1" dirty="0" smtClean="0">
+                <a:solidFill>
+                  <a:schemeClr val="tx1"/>
+                </a:solidFill>
+              </a:rPr>
+              <a:t>, </a:t>
+            </a:r>
+            <a:r>
+              <a:rPr lang="en-US" altLang="ko-KR" sz="600" b="1" dirty="0" smtClean="0">
+                <a:solidFill>
+                  <a:schemeClr val="tx1"/>
+                </a:solidFill>
+              </a:rPr>
+              <a:t>0 </a:t>
+            </a:r>
+            <a:r>
+              <a:rPr lang="en-US" altLang="ko-KR" sz="600" b="1" dirty="0" smtClean="0">
+                <a:solidFill>
+                  <a:schemeClr val="tx1"/>
+                </a:solidFill>
+              </a:rPr>
+              <a:t>]</a:t>
             </a:r>
             <a:endParaRPr lang="ko-KR" altLang="en-US" sz="600" b="1">
               <a:solidFill>
@@ -5363,13 +5545,13 @@
       </p:sp>
       <p:sp>
         <p:nvSpPr>
-          <p:cNvPr id="73" name="직사각형 72"/>
+          <p:cNvPr id="94" name="직사각형 93"/>
           <p:cNvSpPr/>
           <p:nvPr/>
         </p:nvSpPr>
         <p:spPr>
           <a:xfrm>
-            <a:off x="7367743" y="2852038"/>
+            <a:off x="2362802" y="2827864"/>
             <a:ext cx="745551" cy="952734"/>
           </a:xfrm>
           <a:prstGeom prst="rect">
@@ -5404,13 +5586,13 @@
       </p:sp>
       <p:sp>
         <p:nvSpPr>
-          <p:cNvPr id="74" name="직사각형 73"/>
+          <p:cNvPr id="95" name="직사각형 94"/>
           <p:cNvSpPr/>
           <p:nvPr/>
         </p:nvSpPr>
         <p:spPr>
           <a:xfrm>
-            <a:off x="7435213" y="2760043"/>
+            <a:off x="2430272" y="2735869"/>
             <a:ext cx="605547" cy="314505"/>
           </a:xfrm>
           <a:prstGeom prst="rect">
@@ -5447,7 +5629,71 @@
                   <a:schemeClr val="tx1"/>
                 </a:solidFill>
               </a:rPr>
-              <a:t>[ 25 , 5 , 5 ]</a:t>
+              <a:t>[ </a:t>
+            </a:r>
+            <a:r>
+              <a:rPr lang="en-US" altLang="ko-KR" sz="600" b="1" dirty="0" smtClean="0">
+                <a:solidFill>
+                  <a:schemeClr val="tx1"/>
+                </a:solidFill>
+              </a:rPr>
+              <a:t>17</a:t>
+            </a:r>
+            <a:r>
+              <a:rPr lang="en-US" altLang="ko-KR" sz="600" b="1" dirty="0" smtClean="0">
+                <a:solidFill>
+                  <a:schemeClr val="tx1"/>
+                </a:solidFill>
+              </a:rPr>
+              <a:t> </a:t>
+            </a:r>
+            <a:r>
+              <a:rPr lang="en-US" altLang="ko-KR" sz="600" b="1" dirty="0" smtClean="0">
+                <a:solidFill>
+                  <a:schemeClr val="tx1"/>
+                </a:solidFill>
+              </a:rPr>
+              <a:t>, </a:t>
+            </a:r>
+            <a:r>
+              <a:rPr lang="en-US" altLang="ko-KR" sz="600" b="1" dirty="0">
+                <a:solidFill>
+                  <a:schemeClr val="tx1"/>
+                </a:solidFill>
+              </a:rPr>
+              <a:t>1</a:t>
+            </a:r>
+            <a:r>
+              <a:rPr lang="en-US" altLang="ko-KR" sz="600" b="1" dirty="0" smtClean="0">
+                <a:solidFill>
+                  <a:schemeClr val="tx1"/>
+                </a:solidFill>
+              </a:rPr>
+              <a:t> </a:t>
+            </a:r>
+            <a:r>
+              <a:rPr lang="en-US" altLang="ko-KR" sz="600" b="1" dirty="0" smtClean="0">
+                <a:solidFill>
+                  <a:schemeClr val="tx1"/>
+                </a:solidFill>
+              </a:rPr>
+              <a:t>, </a:t>
+            </a:r>
+            <a:r>
+              <a:rPr lang="en-US" altLang="ko-KR" sz="600" b="1" dirty="0" smtClean="0">
+                <a:solidFill>
+                  <a:schemeClr val="tx1"/>
+                </a:solidFill>
+              </a:rPr>
+              <a:t>1 </a:t>
+            </a:r>
+            <a:r>
+              <a:rPr lang="en-US" altLang="ko-KR" sz="600" b="1" dirty="0" smtClean="0">
+                <a:solidFill>
+                  <a:schemeClr val="tx1"/>
+                </a:solidFill>
+              </a:rPr>
+              <a:t>]</a:t>
             </a:r>
             <a:endParaRPr lang="ko-KR" altLang="en-US" sz="600" b="1">
               <a:solidFill>
@@ -5459,13 +5705,13 @@
       </p:sp>
       <p:sp>
         <p:nvSpPr>
-          <p:cNvPr id="75" name="TextBox 74"/>
+          <p:cNvPr id="96" name="TextBox 95"/>
           <p:cNvSpPr txBox="1"/>
           <p:nvPr/>
         </p:nvSpPr>
         <p:spPr>
           <a:xfrm>
-            <a:off x="6504698" y="3140988"/>
+            <a:off x="1499757" y="3116814"/>
             <a:ext cx="653623" cy="400110"/>
           </a:xfrm>
           <a:prstGeom prst="rect">
@@ -5485,7 +5731,11 @@
             </a:r>
             <a:r>
               <a:rPr lang="en-US" altLang="ko-KR" sz="1000" dirty="0" smtClean="0"/>
-              <a:t>[24] = </a:t>
+              <a:t>[16] </a:t>
+            </a:r>
+            <a:r>
+              <a:rPr lang="en-US" altLang="ko-KR" sz="1000" dirty="0" smtClean="0"/>
+              <a:t>= </a:t>
             </a:r>
             <a:r>
               <a:rPr lang="en-US" altLang="ko-KR" sz="1000" dirty="0" err="1" smtClean="0"/>
@@ -5493,7 +5743,7 @@
             </a:r>
             <a:r>
               <a:rPr lang="en-US" altLang="ko-KR" sz="1000" dirty="0" smtClean="0"/>
-              <a:t>[4]</a:t>
+              <a:t>[0]</a:t>
             </a:r>
             <a:endParaRPr lang="ko-KR" altLang="en-US" sz="1000"/>
           </a:p>
@@ -5501,13 +5751,13 @@
       </p:sp>
       <p:sp>
         <p:nvSpPr>
-          <p:cNvPr id="76" name="TextBox 75"/>
+          <p:cNvPr id="97" name="TextBox 96"/>
           <p:cNvSpPr txBox="1"/>
           <p:nvPr/>
         </p:nvSpPr>
         <p:spPr>
           <a:xfrm>
-            <a:off x="7411371" y="3140988"/>
+            <a:off x="2406430" y="3116814"/>
             <a:ext cx="653623" cy="400110"/>
           </a:xfrm>
           <a:prstGeom prst="rect">
@@ -5527,7 +5777,11 @@
             </a:r>
             <a:r>
               <a:rPr lang="en-US" altLang="ko-KR" sz="1000" dirty="0" smtClean="0"/>
-              <a:t>[25] = </a:t>
+              <a:t>[17] </a:t>
+            </a:r>
+            <a:r>
+              <a:rPr lang="en-US" altLang="ko-KR" sz="1000" dirty="0" smtClean="0"/>
+              <a:t>= </a:t>
             </a:r>
             <a:r>
               <a:rPr lang="en-US" altLang="ko-KR" sz="1000" dirty="0" err="1" smtClean="0"/>
@@ -5535,7 +5789,7 @@
             </a:r>
             <a:r>
               <a:rPr lang="en-US" altLang="ko-KR" sz="1000" dirty="0" smtClean="0"/>
-              <a:t>[5]</a:t>
+              <a:t>[1]</a:t>
             </a:r>
             <a:endParaRPr lang="ko-KR" altLang="en-US" sz="1000"/>
           </a:p>
@@ -5543,13 +5797,286 @@
       </p:sp>
       <p:sp>
         <p:nvSpPr>
-          <p:cNvPr id="77" name="TextBox 76"/>
+          <p:cNvPr id="98" name="TextBox 97"/>
           <p:cNvSpPr txBox="1"/>
           <p:nvPr/>
         </p:nvSpPr>
         <p:spPr>
           <a:xfrm>
-            <a:off x="6382512" y="4153228"/>
+            <a:off x="1395200" y="4325449"/>
+            <a:ext cx="1633252" cy="415498"/>
+          </a:xfrm>
+          <a:prstGeom prst="rect">
+            <a:avLst/>
+          </a:prstGeom>
+          <a:noFill/>
+        </p:spPr>
+        <p:txBody>
+          <a:bodyPr wrap="square" rtlCol="0">
+            <a:spAutoFit/>
+          </a:bodyPr>
+          <a:lstStyle/>
+          <a:p>
+            <a:r>
+              <a:rPr lang="en-US" altLang="ko-KR" sz="1000" dirty="0" smtClean="0"/>
+              <a:t>&lt;Right&gt;</a:t>
+            </a:r>
+            <a:r>
+              <a:rPr lang="en-US" altLang="ko-KR" sz="1000" dirty="0" smtClean="0"/>
+              <a:t/>
+            </a:r>
+            <a:br>
+              <a:rPr lang="en-US" altLang="ko-KR" sz="1000" dirty="0" smtClean="0"/>
+            </a:br>
+            <a:r>
+              <a:rPr lang="en-US" altLang="ko-KR" sz="1000" dirty="0" err="1" smtClean="0"/>
+              <a:t>Seg</a:t>
+            </a:r>
+            <a:r>
+              <a:rPr lang="en-US" altLang="ko-KR" sz="1000" dirty="0" smtClean="0"/>
+              <a:t>[9] </a:t>
+            </a:r>
+            <a:r>
+              <a:rPr lang="en-US" altLang="ko-KR" sz="1000" dirty="0" smtClean="0"/>
+              <a:t>= </a:t>
+            </a:r>
+            <a:r>
+              <a:rPr lang="en-US" altLang="ko-KR" sz="1000" dirty="0" err="1" smtClean="0"/>
+              <a:t>Arr</a:t>
+            </a:r>
+            <a:r>
+              <a:rPr lang="en-US" altLang="ko-KR" sz="1000" dirty="0" smtClean="0"/>
+              <a:t>[2]</a:t>
+            </a:r>
+            <a:endParaRPr lang="ko-KR" altLang="en-US" sz="1000"/>
+          </a:p>
+        </p:txBody>
+      </p:sp>
+      <p:sp>
+        <p:nvSpPr>
+          <p:cNvPr id="106" name="TextBox 105"/>
+          <p:cNvSpPr txBox="1"/>
+          <p:nvPr/>
+        </p:nvSpPr>
+        <p:spPr>
+          <a:xfrm>
+            <a:off x="6420178" y="4202338"/>
+            <a:ext cx="1633252" cy="415498"/>
+          </a:xfrm>
+          <a:prstGeom prst="rect">
+            <a:avLst/>
+          </a:prstGeom>
+          <a:noFill/>
+        </p:spPr>
+        <p:txBody>
+          <a:bodyPr wrap="square" rtlCol="0">
+            <a:spAutoFit/>
+          </a:bodyPr>
+          <a:lstStyle/>
+          <a:p>
+            <a:r>
+              <a:rPr lang="en-US" altLang="ko-KR" sz="1000" dirty="0" smtClean="0"/>
+              <a:t>&lt;Right&gt;</a:t>
+            </a:r>
+            <a:r>
+              <a:rPr lang="en-US" altLang="ko-KR" sz="1000" dirty="0" smtClean="0"/>
+              <a:t/>
+            </a:r>
+            <a:br>
+              <a:rPr lang="en-US" altLang="ko-KR" sz="1000" dirty="0" smtClean="0"/>
+            </a:br>
+            <a:r>
+              <a:rPr lang="en-US" altLang="ko-KR" sz="1000" dirty="0" err="1" smtClean="0"/>
+              <a:t>Seg</a:t>
+            </a:r>
+            <a:r>
+              <a:rPr lang="en-US" altLang="ko-KR" sz="1000" dirty="0" smtClean="0"/>
+              <a:t>[13] </a:t>
+            </a:r>
+            <a:r>
+              <a:rPr lang="en-US" altLang="ko-KR" sz="1000" dirty="0" smtClean="0"/>
+              <a:t>= </a:t>
+            </a:r>
+            <a:r>
+              <a:rPr lang="en-US" altLang="ko-KR" sz="1000" dirty="0" err="1" smtClean="0"/>
+              <a:t>Arr</a:t>
+            </a:r>
+            <a:r>
+              <a:rPr lang="en-US" altLang="ko-KR" sz="1000" dirty="0" smtClean="0"/>
+              <a:t>[7]</a:t>
+            </a:r>
+            <a:endParaRPr lang="ko-KR" altLang="en-US" sz="1000"/>
+          </a:p>
+        </p:txBody>
+      </p:sp>
+      <p:grpSp>
+        <p:nvGrpSpPr>
+          <p:cNvPr id="117" name="그룹 116"/>
+          <p:cNvGrpSpPr/>
+          <p:nvPr/>
+        </p:nvGrpSpPr>
+        <p:grpSpPr>
+          <a:xfrm>
+            <a:off x="6337523" y="2040153"/>
+            <a:ext cx="1877671" cy="1788724"/>
+            <a:chOff x="950686" y="410205"/>
+            <a:chExt cx="10348685" cy="5954309"/>
+          </a:xfrm>
+        </p:grpSpPr>
+        <p:sp>
+          <p:nvSpPr>
+            <p:cNvPr id="118" name="직사각형 117"/>
+            <p:cNvSpPr/>
+            <p:nvPr/>
+          </p:nvSpPr>
+          <p:spPr>
+            <a:xfrm>
+              <a:off x="950686" y="631371"/>
+              <a:ext cx="10348685" cy="5733143"/>
+            </a:xfrm>
+            <a:prstGeom prst="rect">
+              <a:avLst/>
+            </a:prstGeom>
+            <a:noFill/>
+          </p:spPr>
+          <p:style>
+            <a:lnRef idx="2">
+              <a:schemeClr val="accent1">
+                <a:shade val="50000"/>
+              </a:schemeClr>
+            </a:lnRef>
+            <a:fillRef idx="1">
+              <a:schemeClr val="accent1"/>
+            </a:fillRef>
+            <a:effectRef idx="0">
+              <a:schemeClr val="accent1"/>
+            </a:effectRef>
+            <a:fontRef idx="minor">
+              <a:schemeClr val="lt1"/>
+            </a:fontRef>
+          </p:style>
+          <p:txBody>
+            <a:bodyPr rtlCol="0" anchor="ctr"/>
+            <a:lstStyle/>
+            <a:p>
+              <a:pPr algn="ctr"/>
+              <a:endParaRPr lang="ko-KR" altLang="en-US"/>
+            </a:p>
+          </p:txBody>
+        </p:sp>
+        <p:sp>
+          <p:nvSpPr>
+            <p:cNvPr id="119" name="직사각형 118"/>
+            <p:cNvSpPr/>
+            <p:nvPr/>
+          </p:nvSpPr>
+          <p:spPr>
+            <a:xfrm>
+              <a:off x="1429818" y="410205"/>
+              <a:ext cx="7649696" cy="782599"/>
+            </a:xfrm>
+            <a:prstGeom prst="rect">
+              <a:avLst/>
+            </a:prstGeom>
+            <a:solidFill>
+              <a:schemeClr val="bg1"/>
+            </a:solidFill>
+          </p:spPr>
+          <p:style>
+            <a:lnRef idx="2">
+              <a:schemeClr val="accent1">
+                <a:shade val="50000"/>
+              </a:schemeClr>
+            </a:lnRef>
+            <a:fillRef idx="1">
+              <a:schemeClr val="accent1"/>
+            </a:fillRef>
+            <a:effectRef idx="0">
+              <a:schemeClr val="accent1"/>
+            </a:effectRef>
+            <a:fontRef idx="minor">
+              <a:schemeClr val="lt1"/>
+            </a:fontRef>
+          </p:style>
+          <p:txBody>
+            <a:bodyPr rtlCol="0" anchor="ctr"/>
+            <a:lstStyle/>
+            <a:p>
+              <a:pPr algn="ctr"/>
+              <a:r>
+                <a:rPr lang="en-US" altLang="ko-KR" dirty="0" smtClean="0">
+                  <a:solidFill>
+                    <a:schemeClr val="tx1"/>
+                  </a:solidFill>
+                </a:rPr>
+                <a:t>[ </a:t>
+              </a:r>
+              <a:r>
+                <a:rPr lang="en-US" altLang="ko-KR" dirty="0" smtClean="0">
+                  <a:solidFill>
+                    <a:schemeClr val="tx1"/>
+                  </a:solidFill>
+                </a:rPr>
+                <a:t>12 </a:t>
+              </a:r>
+              <a:r>
+                <a:rPr lang="en-US" altLang="ko-KR" dirty="0" smtClean="0">
+                  <a:solidFill>
+                    <a:schemeClr val="tx1"/>
+                  </a:solidFill>
+                </a:rPr>
+                <a:t>, </a:t>
+              </a:r>
+              <a:r>
+                <a:rPr lang="en-US" altLang="ko-KR" dirty="0" smtClean="0">
+                  <a:solidFill>
+                    <a:schemeClr val="tx1"/>
+                  </a:solidFill>
+                </a:rPr>
+                <a:t>5 </a:t>
+              </a:r>
+              <a:r>
+                <a:rPr lang="en-US" altLang="ko-KR" dirty="0" smtClean="0">
+                  <a:solidFill>
+                    <a:schemeClr val="tx1"/>
+                  </a:solidFill>
+                </a:rPr>
+                <a:t>, </a:t>
+              </a:r>
+              <a:r>
+                <a:rPr lang="en-US" altLang="ko-KR" dirty="0" smtClean="0">
+                  <a:solidFill>
+                    <a:schemeClr val="tx1"/>
+                  </a:solidFill>
+                </a:rPr>
+                <a:t>6 </a:t>
+              </a:r>
+              <a:r>
+                <a:rPr lang="en-US" altLang="ko-KR" dirty="0" smtClean="0">
+                  <a:solidFill>
+                    <a:schemeClr val="tx1"/>
+                  </a:solidFill>
+                </a:rPr>
+                <a:t>]</a:t>
+              </a:r>
+              <a:endParaRPr lang="ko-KR" altLang="en-US">
+                <a:solidFill>
+                  <a:schemeClr val="tx1"/>
+                </a:solidFill>
+              </a:endParaRPr>
+            </a:p>
+          </p:txBody>
+        </p:sp>
+      </p:grpSp>
+      <p:sp>
+        <p:nvSpPr>
+          <p:cNvPr id="120" name="TextBox 119"/>
+          <p:cNvSpPr txBox="1"/>
+          <p:nvPr/>
+        </p:nvSpPr>
+        <p:spPr>
+          <a:xfrm>
+            <a:off x="6419552" y="2276026"/>
             <a:ext cx="1633252" cy="338554"/>
           </a:xfrm>
           <a:prstGeom prst="rect">
@@ -5576,7 +6103,15 @@
             </a:r>
             <a:r>
               <a:rPr lang="en-US" altLang="ko-KR" sz="800" dirty="0" smtClean="0"/>
-              <a:t>[13] = min(</a:t>
+              <a:t>[12] </a:t>
+            </a:r>
+            <a:r>
+              <a:rPr lang="en-US" altLang="ko-KR" sz="800" dirty="0" smtClean="0"/>
+              <a:t>= </a:t>
+            </a:r>
+            <a:r>
+              <a:rPr lang="en-US" altLang="ko-KR" sz="800" dirty="0" smtClean="0"/>
+              <a:t>min(</a:t>
             </a:r>
             <a:r>
               <a:rPr lang="en-US" altLang="ko-KR" sz="800" dirty="0" err="1" smtClean="0"/>
@@ -5584,7 +6119,7 @@
             </a:r>
             <a:r>
               <a:rPr lang="en-US" altLang="ko-KR" sz="800" dirty="0" smtClean="0"/>
-              <a:t>[26], </a:t>
+              <a:t>[24], </a:t>
             </a:r>
             <a:r>
               <a:rPr lang="en-US" altLang="ko-KR" sz="800" dirty="0" err="1" smtClean="0"/>
@@ -5592,7 +6127,7 @@
             </a:r>
             <a:r>
               <a:rPr lang="en-US" altLang="ko-KR" sz="800" dirty="0" smtClean="0"/>
-              <a:t>[27])</a:t>
+              <a:t>[25])</a:t>
             </a:r>
             <a:endParaRPr lang="ko-KR" altLang="en-US" sz="800"/>
           </a:p>
@@ -5600,13 +6135,13 @@
       </p:sp>
       <p:sp>
         <p:nvSpPr>
-          <p:cNvPr id="78" name="직사각형 77"/>
+          <p:cNvPr id="121" name="직사각형 120"/>
           <p:cNvSpPr/>
           <p:nvPr/>
         </p:nvSpPr>
         <p:spPr>
           <a:xfrm>
-            <a:off x="6412770" y="4706888"/>
+            <a:off x="6449810" y="2829686"/>
             <a:ext cx="745551" cy="952734"/>
           </a:xfrm>
           <a:prstGeom prst="rect">
@@ -5641,13 +6176,13 @@
       </p:sp>
       <p:sp>
         <p:nvSpPr>
-          <p:cNvPr id="79" name="직사각형 78"/>
+          <p:cNvPr id="122" name="직사각형 121"/>
           <p:cNvSpPr/>
           <p:nvPr/>
         </p:nvSpPr>
         <p:spPr>
           <a:xfrm>
-            <a:off x="6480240" y="4614893"/>
+            <a:off x="6517280" y="2737691"/>
             <a:ext cx="605547" cy="314505"/>
           </a:xfrm>
           <a:prstGeom prst="rect">
@@ -5684,7 +6219,63 @@
                   <a:schemeClr val="tx1"/>
                 </a:solidFill>
               </a:rPr>
-              <a:t>[ 26 , 5 , 5 ]</a:t>
+              <a:t>[ </a:t>
+            </a:r>
+            <a:r>
+              <a:rPr lang="en-US" altLang="ko-KR" sz="600" b="1" dirty="0" smtClean="0">
+                <a:solidFill>
+                  <a:schemeClr val="tx1"/>
+                </a:solidFill>
+              </a:rPr>
+              <a:t>24</a:t>
+            </a:r>
+            <a:r>
+              <a:rPr lang="en-US" altLang="ko-KR" sz="600" b="1" dirty="0" smtClean="0">
+                <a:solidFill>
+                  <a:schemeClr val="tx1"/>
+                </a:solidFill>
+              </a:rPr>
+              <a:t> </a:t>
+            </a:r>
+            <a:r>
+              <a:rPr lang="en-US" altLang="ko-KR" sz="600" b="1" dirty="0" smtClean="0">
+                <a:solidFill>
+                  <a:schemeClr val="tx1"/>
+                </a:solidFill>
+              </a:rPr>
+              <a:t>, </a:t>
+            </a:r>
+            <a:r>
+              <a:rPr lang="en-US" altLang="ko-KR" sz="600" b="1" dirty="0" smtClean="0">
+                <a:solidFill>
+                  <a:schemeClr val="tx1"/>
+                </a:solidFill>
+              </a:rPr>
+              <a:t>5 </a:t>
+            </a:r>
+            <a:r>
+              <a:rPr lang="en-US" altLang="ko-KR" sz="600" b="1" dirty="0" smtClean="0">
+                <a:solidFill>
+                  <a:schemeClr val="tx1"/>
+                </a:solidFill>
+              </a:rPr>
+              <a:t>, </a:t>
+            </a:r>
+            <a:r>
+              <a:rPr lang="en-US" altLang="ko-KR" sz="600" b="1" dirty="0" smtClean="0">
+                <a:solidFill>
+                  <a:schemeClr val="tx1"/>
+                </a:solidFill>
+              </a:rPr>
+              <a:t>5 </a:t>
+            </a:r>
+            <a:r>
+              <a:rPr lang="en-US" altLang="ko-KR" sz="600" b="1" dirty="0" smtClean="0">
+                <a:solidFill>
+                  <a:schemeClr val="tx1"/>
+                </a:solidFill>
+              </a:rPr>
+              <a:t>]</a:t>
             </a:r>
             <a:endParaRPr lang="ko-KR" altLang="en-US" sz="600" b="1">
               <a:solidFill>
@@ -5696,13 +6287,13 @@
       </p:sp>
       <p:sp>
         <p:nvSpPr>
-          <p:cNvPr id="80" name="직사각형 79"/>
+          <p:cNvPr id="123" name="직사각형 122"/>
           <p:cNvSpPr/>
           <p:nvPr/>
         </p:nvSpPr>
         <p:spPr>
           <a:xfrm>
-            <a:off x="7309297" y="4706888"/>
+            <a:off x="7346337" y="2829686"/>
             <a:ext cx="745551" cy="952734"/>
           </a:xfrm>
           <a:prstGeom prst="rect">
@@ -5737,13 +6328,13 @@
       </p:sp>
       <p:sp>
         <p:nvSpPr>
-          <p:cNvPr id="81" name="직사각형 80"/>
+          <p:cNvPr id="124" name="직사각형 123"/>
           <p:cNvSpPr/>
           <p:nvPr/>
         </p:nvSpPr>
         <p:spPr>
           <a:xfrm>
-            <a:off x="7376767" y="4614893"/>
+            <a:off x="7413807" y="2737691"/>
             <a:ext cx="605547" cy="314505"/>
           </a:xfrm>
           <a:prstGeom prst="rect">
@@ -5780,7 +6371,55 @@
                   <a:schemeClr val="tx1"/>
                 </a:solidFill>
               </a:rPr>
-              <a:t>[ 27 , 6 , 6 ]</a:t>
+              <a:t>[ </a:t>
+            </a:r>
+            <a:r>
+              <a:rPr lang="en-US" altLang="ko-KR" sz="600" b="1" dirty="0" smtClean="0">
+                <a:solidFill>
+                  <a:schemeClr val="tx1"/>
+                </a:solidFill>
+              </a:rPr>
+              <a:t>25 </a:t>
+            </a:r>
+            <a:r>
+              <a:rPr lang="en-US" altLang="ko-KR" sz="600" b="1" dirty="0" smtClean="0">
+                <a:solidFill>
+                  <a:schemeClr val="tx1"/>
+                </a:solidFill>
+              </a:rPr>
+              <a:t>, </a:t>
+            </a:r>
+            <a:r>
+              <a:rPr lang="en-US" altLang="ko-KR" sz="600" b="1" dirty="0" smtClean="0">
+                <a:solidFill>
+                  <a:schemeClr val="tx1"/>
+                </a:solidFill>
+              </a:rPr>
+              <a:t>6 </a:t>
+            </a:r>
+            <a:r>
+              <a:rPr lang="en-US" altLang="ko-KR" sz="600" b="1" dirty="0" smtClean="0">
+                <a:solidFill>
+                  <a:schemeClr val="tx1"/>
+                </a:solidFill>
+              </a:rPr>
+              <a:t>, </a:t>
+            </a:r>
+            <a:r>
+              <a:rPr lang="en-US" altLang="ko-KR" sz="600" b="1" dirty="0" smtClean="0">
+                <a:solidFill>
+                  <a:schemeClr val="tx1"/>
+                </a:solidFill>
+              </a:rPr>
+              <a:t>6 </a:t>
+            </a:r>
+            <a:r>
+              <a:rPr lang="en-US" altLang="ko-KR" sz="600" b="1" dirty="0" smtClean="0">
+                <a:solidFill>
+                  <a:schemeClr val="tx1"/>
+                </a:solidFill>
+              </a:rPr>
+              <a:t>]</a:t>
             </a:r>
             <a:endParaRPr lang="ko-KR" altLang="en-US" sz="600" b="1">
               <a:solidFill>
@@ -5792,13 +6431,13 @@
       </p:sp>
       <p:sp>
         <p:nvSpPr>
-          <p:cNvPr id="82" name="TextBox 81"/>
+          <p:cNvPr id="125" name="TextBox 124"/>
           <p:cNvSpPr txBox="1"/>
           <p:nvPr/>
         </p:nvSpPr>
         <p:spPr>
           <a:xfrm>
-            <a:off x="6446252" y="4995838"/>
+            <a:off x="6483292" y="3118636"/>
             <a:ext cx="653623" cy="400110"/>
           </a:xfrm>
           <a:prstGeom prst="rect">
@@ -5818,7 +6457,11 @@
             </a:r>
             <a:r>
               <a:rPr lang="en-US" altLang="ko-KR" sz="1000" dirty="0" smtClean="0"/>
-              <a:t>[26] = </a:t>
+              <a:t>[24] </a:t>
+            </a:r>
+            <a:r>
+              <a:rPr lang="en-US" altLang="ko-KR" sz="1000" dirty="0" smtClean="0"/>
+              <a:t>= </a:t>
             </a:r>
             <a:r>
               <a:rPr lang="en-US" altLang="ko-KR" sz="1000" dirty="0" err="1" smtClean="0"/>
@@ -5834,13 +6477,13 @@
       </p:sp>
       <p:sp>
         <p:nvSpPr>
-          <p:cNvPr id="83" name="TextBox 82"/>
+          <p:cNvPr id="126" name="TextBox 125"/>
           <p:cNvSpPr txBox="1"/>
           <p:nvPr/>
         </p:nvSpPr>
         <p:spPr>
           <a:xfrm>
-            <a:off x="7352925" y="4995838"/>
+            <a:off x="7389965" y="3118636"/>
             <a:ext cx="653623" cy="400110"/>
           </a:xfrm>
           <a:prstGeom prst="rect">
@@ -5860,7 +6503,11 @@
             </a:r>
             <a:r>
               <a:rPr lang="en-US" altLang="ko-KR" sz="1000" dirty="0" smtClean="0"/>
-              <a:t>[27] = </a:t>
+              <a:t>[25] </a:t>
+            </a:r>
+            <a:r>
+              <a:rPr lang="en-US" altLang="ko-KR" sz="1000" dirty="0" smtClean="0"/>
+              <a:t>= </a:t>
             </a:r>
             <a:r>
               <a:rPr lang="en-US" altLang="ko-KR" sz="1000" dirty="0" err="1" smtClean="0"/>
@@ -5871,56 +6518,6 @@
               <a:t>[6]</a:t>
             </a:r>
             <a:endParaRPr lang="ko-KR" altLang="en-US" sz="1000"/>
-          </a:p>
-        </p:txBody>
-      </p:sp>
-      <p:sp>
-        <p:nvSpPr>
-          <p:cNvPr id="84" name="TextBox 83"/>
-          <p:cNvSpPr txBox="1"/>
-          <p:nvPr/>
-        </p:nvSpPr>
-        <p:spPr>
-          <a:xfrm>
-            <a:off x="3677416" y="497723"/>
-            <a:ext cx="2121093" cy="276999"/>
-          </a:xfrm>
-          <a:prstGeom prst="rect">
-            <a:avLst/>
-          </a:prstGeom>
-          <a:noFill/>
-        </p:spPr>
-        <p:txBody>
-          <a:bodyPr wrap="none" rtlCol="0">
-            <a:spAutoFit/>
-          </a:bodyPr>
-          <a:lstStyle/>
-          <a:p>
-            <a:r>
-              <a:rPr lang="en-US" altLang="ko-KR" sz="1200" dirty="0" err="1" smtClean="0"/>
-              <a:t>Seg</a:t>
-            </a:r>
-            <a:r>
-              <a:rPr lang="en-US" altLang="ko-KR" sz="1200" dirty="0" smtClean="0"/>
-              <a:t>[1] = min(</a:t>
-            </a:r>
-            <a:r>
-              <a:rPr lang="en-US" altLang="ko-KR" sz="1200" dirty="0" err="1" smtClean="0"/>
-              <a:t>seg</a:t>
-            </a:r>
-            <a:r>
-              <a:rPr lang="en-US" altLang="ko-KR" sz="1200" dirty="0" smtClean="0"/>
-              <a:t>[2], </a:t>
-            </a:r>
-            <a:r>
-              <a:rPr lang="en-US" altLang="ko-KR" sz="1200" dirty="0" err="1" smtClean="0"/>
-              <a:t>seg</a:t>
-            </a:r>
-            <a:r>
-              <a:rPr lang="en-US" altLang="ko-KR" sz="1200" dirty="0" smtClean="0"/>
-              <a:t>[3])</a:t>
-            </a:r>
-            <a:endParaRPr lang="ko-KR" altLang="en-US" sz="1200"/>
           </a:p>
         </p:txBody>
       </p:sp>
